--- a/PP1/design.pptx
+++ b/PP1/design.pptx
@@ -104,6 +104,11 @@
       </a:defRPr>
     </a:lvl9pPr>
   </p:defaultTextStyle>
+  <p:extLst>
+    <p:ext uri="{EFAFB233-063F-42B5-8137-9DF3F51BA10A}">
+      <p15:sldGuideLst xmlns:p15="http://schemas.microsoft.com/office/powerpoint/2012/main"/>
+    </p:ext>
+  </p:extLst>
 </p:presentation>
 </file>
 
@@ -238,7 +243,7 @@
           <a:p>
             <a:fld id="{E77116CE-4863-784E-9645-CF305118C609}" type="datetimeFigureOut">
               <a:rPr lang="en-US" smtClean="0"/>
-              <a:t>2/18/18</a:t>
+              <a:t>2/20/18</a:t>
             </a:fld>
             <a:endParaRPr lang="en-US"/>
           </a:p>
@@ -408,7 +413,7 @@
           <a:p>
             <a:fld id="{E77116CE-4863-784E-9645-CF305118C609}" type="datetimeFigureOut">
               <a:rPr lang="en-US" smtClean="0"/>
-              <a:t>2/18/18</a:t>
+              <a:t>2/20/18</a:t>
             </a:fld>
             <a:endParaRPr lang="en-US"/>
           </a:p>
@@ -588,7 +593,7 @@
           <a:p>
             <a:fld id="{E77116CE-4863-784E-9645-CF305118C609}" type="datetimeFigureOut">
               <a:rPr lang="en-US" smtClean="0"/>
-              <a:t>2/18/18</a:t>
+              <a:t>2/20/18</a:t>
             </a:fld>
             <a:endParaRPr lang="en-US"/>
           </a:p>
@@ -758,7 +763,7 @@
           <a:p>
             <a:fld id="{E77116CE-4863-784E-9645-CF305118C609}" type="datetimeFigureOut">
               <a:rPr lang="en-US" smtClean="0"/>
-              <a:t>2/18/18</a:t>
+              <a:t>2/20/18</a:t>
             </a:fld>
             <a:endParaRPr lang="en-US"/>
           </a:p>
@@ -1002,7 +1007,7 @@
           <a:p>
             <a:fld id="{E77116CE-4863-784E-9645-CF305118C609}" type="datetimeFigureOut">
               <a:rPr lang="en-US" smtClean="0"/>
-              <a:t>2/18/18</a:t>
+              <a:t>2/20/18</a:t>
             </a:fld>
             <a:endParaRPr lang="en-US"/>
           </a:p>
@@ -1234,7 +1239,7 @@
           <a:p>
             <a:fld id="{E77116CE-4863-784E-9645-CF305118C609}" type="datetimeFigureOut">
               <a:rPr lang="en-US" smtClean="0"/>
-              <a:t>2/18/18</a:t>
+              <a:t>2/20/18</a:t>
             </a:fld>
             <a:endParaRPr lang="en-US"/>
           </a:p>
@@ -1601,7 +1606,7 @@
           <a:p>
             <a:fld id="{E77116CE-4863-784E-9645-CF305118C609}" type="datetimeFigureOut">
               <a:rPr lang="en-US" smtClean="0"/>
-              <a:t>2/18/18</a:t>
+              <a:t>2/20/18</a:t>
             </a:fld>
             <a:endParaRPr lang="en-US"/>
           </a:p>
@@ -1719,7 +1724,7 @@
           <a:p>
             <a:fld id="{E77116CE-4863-784E-9645-CF305118C609}" type="datetimeFigureOut">
               <a:rPr lang="en-US" smtClean="0"/>
-              <a:t>2/18/18</a:t>
+              <a:t>2/20/18</a:t>
             </a:fld>
             <a:endParaRPr lang="en-US"/>
           </a:p>
@@ -1814,7 +1819,7 @@
           <a:p>
             <a:fld id="{E77116CE-4863-784E-9645-CF305118C609}" type="datetimeFigureOut">
               <a:rPr lang="en-US" smtClean="0"/>
-              <a:t>2/18/18</a:t>
+              <a:t>2/20/18</a:t>
             </a:fld>
             <a:endParaRPr lang="en-US"/>
           </a:p>
@@ -2091,7 +2096,7 @@
           <a:p>
             <a:fld id="{E77116CE-4863-784E-9645-CF305118C609}" type="datetimeFigureOut">
               <a:rPr lang="en-US" smtClean="0"/>
-              <a:t>2/18/18</a:t>
+              <a:t>2/20/18</a:t>
             </a:fld>
             <a:endParaRPr lang="en-US"/>
           </a:p>
@@ -2348,7 +2353,7 @@
           <a:p>
             <a:fld id="{E77116CE-4863-784E-9645-CF305118C609}" type="datetimeFigureOut">
               <a:rPr lang="en-US" smtClean="0"/>
-              <a:t>2/18/18</a:t>
+              <a:t>2/20/18</a:t>
             </a:fld>
             <a:endParaRPr lang="en-US"/>
           </a:p>
@@ -2561,7 +2566,7 @@
           <a:p>
             <a:fld id="{E77116CE-4863-784E-9645-CF305118C609}" type="datetimeFigureOut">
               <a:rPr lang="en-US" smtClean="0"/>
-              <a:t>2/18/18</a:t>
+              <a:t>2/20/18</a:t>
             </a:fld>
             <a:endParaRPr lang="en-US"/>
           </a:p>
@@ -4866,45 +4871,6 @@
           </a:p>
         </p:txBody>
       </p:sp>
-      <p:cxnSp>
-        <p:nvCxnSpPr>
-          <p:cNvPr id="82" name="Straight Connector 81">
-            <a:extLst>
-              <a:ext uri="{FF2B5EF4-FFF2-40B4-BE49-F238E27FC236}">
-                <a16:creationId xmlns:a16="http://schemas.microsoft.com/office/drawing/2014/main" id="{C19C41BB-08C2-AB41-80A2-7D90FF428717}"/>
-              </a:ext>
-            </a:extLst>
-          </p:cNvPr>
-          <p:cNvCxnSpPr>
-            <a:cxnSpLocks/>
-            <a:endCxn id="68" idx="0"/>
-          </p:cNvCxnSpPr>
-          <p:nvPr/>
-        </p:nvCxnSpPr>
-        <p:spPr>
-          <a:xfrm>
-            <a:off x="5414963" y="3973447"/>
-            <a:ext cx="676873" cy="761050"/>
-          </a:xfrm>
-          <a:prstGeom prst="line">
-            <a:avLst/>
-          </a:prstGeom>
-        </p:spPr>
-        <p:style>
-          <a:lnRef idx="1">
-            <a:schemeClr val="dk1"/>
-          </a:lnRef>
-          <a:fillRef idx="0">
-            <a:schemeClr val="dk1"/>
-          </a:fillRef>
-          <a:effectRef idx="0">
-            <a:schemeClr val="dk1"/>
-          </a:effectRef>
-          <a:fontRef idx="minor">
-            <a:schemeClr val="tx1"/>
-          </a:fontRef>
-        </p:style>
-      </p:cxnSp>
       <p:sp>
         <p:nvSpPr>
           <p:cNvPr id="85" name="Diamond 84">
@@ -4952,86 +4918,6 @@
           </a:p>
         </p:txBody>
       </p:sp>
-      <p:cxnSp>
-        <p:nvCxnSpPr>
-          <p:cNvPr id="86" name="Straight Connector 85">
-            <a:extLst>
-              <a:ext uri="{FF2B5EF4-FFF2-40B4-BE49-F238E27FC236}">
-                <a16:creationId xmlns:a16="http://schemas.microsoft.com/office/drawing/2014/main" id="{B1E9BB7E-E17E-8A42-A578-AA272F3C8F01}"/>
-              </a:ext>
-            </a:extLst>
-          </p:cNvPr>
-          <p:cNvCxnSpPr>
-            <a:cxnSpLocks/>
-            <a:endCxn id="85" idx="1"/>
-          </p:cNvCxnSpPr>
-          <p:nvPr/>
-        </p:nvCxnSpPr>
-        <p:spPr>
-          <a:xfrm>
-            <a:off x="4109445" y="2653402"/>
-            <a:ext cx="563978" cy="428177"/>
-          </a:xfrm>
-          <a:prstGeom prst="line">
-            <a:avLst/>
-          </a:prstGeom>
-        </p:spPr>
-        <p:style>
-          <a:lnRef idx="1">
-            <a:schemeClr val="dk1"/>
-          </a:lnRef>
-          <a:fillRef idx="0">
-            <a:schemeClr val="dk1"/>
-          </a:fillRef>
-          <a:effectRef idx="0">
-            <a:schemeClr val="dk1"/>
-          </a:effectRef>
-          <a:fontRef idx="minor">
-            <a:schemeClr val="tx1"/>
-          </a:fontRef>
-        </p:style>
-      </p:cxnSp>
-      <p:cxnSp>
-        <p:nvCxnSpPr>
-          <p:cNvPr id="89" name="Straight Arrow Connector 88">
-            <a:extLst>
-              <a:ext uri="{FF2B5EF4-FFF2-40B4-BE49-F238E27FC236}">
-                <a16:creationId xmlns:a16="http://schemas.microsoft.com/office/drawing/2014/main" id="{F05F5F50-9C5A-1A43-9300-A2EF40C74A45}"/>
-              </a:ext>
-            </a:extLst>
-          </p:cNvPr>
-          <p:cNvCxnSpPr>
-            <a:cxnSpLocks/>
-          </p:cNvCxnSpPr>
-          <p:nvPr/>
-        </p:nvCxnSpPr>
-        <p:spPr>
-          <a:xfrm flipH="1" flipV="1">
-            <a:off x="4543428" y="2599403"/>
-            <a:ext cx="1275527" cy="567172"/>
-          </a:xfrm>
-          <a:prstGeom prst="straightConnector1">
-            <a:avLst/>
-          </a:prstGeom>
-          <a:ln>
-            <a:tailEnd type="triangle"/>
-          </a:ln>
-        </p:spPr>
-        <p:style>
-          <a:lnRef idx="1">
-            <a:schemeClr val="dk1"/>
-          </a:lnRef>
-          <a:fillRef idx="0">
-            <a:schemeClr val="dk1"/>
-          </a:fillRef>
-          <a:effectRef idx="0">
-            <a:schemeClr val="dk1"/>
-          </a:effectRef>
-          <a:fontRef idx="minor">
-            <a:schemeClr val="tx1"/>
-          </a:fontRef>
-        </p:style>
-      </p:cxnSp>
       <p:sp>
         <p:nvSpPr>
           <p:cNvPr id="92" name="Diamond 91">
@@ -5244,6 +5130,129 @@
           <a:prstGeom prst="line">
             <a:avLst/>
           </a:prstGeom>
+        </p:spPr>
+        <p:style>
+          <a:lnRef idx="1">
+            <a:schemeClr val="dk1"/>
+          </a:lnRef>
+          <a:fillRef idx="0">
+            <a:schemeClr val="dk1"/>
+          </a:fillRef>
+          <a:effectRef idx="0">
+            <a:schemeClr val="dk1"/>
+          </a:effectRef>
+          <a:fontRef idx="minor">
+            <a:schemeClr val="tx1"/>
+          </a:fontRef>
+        </p:style>
+      </p:cxnSp>
+      <p:cxnSp>
+        <p:nvCxnSpPr>
+          <p:cNvPr id="54" name="Straight Connector 53">
+            <a:extLst>
+              <a:ext uri="{FF2B5EF4-FFF2-40B4-BE49-F238E27FC236}">
+                <a16:creationId xmlns:a16="http://schemas.microsoft.com/office/drawing/2014/main" id="{95D5995D-7FC5-6F4D-AF7C-9CE9D74064DE}"/>
+              </a:ext>
+            </a:extLst>
+          </p:cNvPr>
+          <p:cNvCxnSpPr>
+            <a:cxnSpLocks/>
+            <a:endCxn id="92" idx="1"/>
+          </p:cNvCxnSpPr>
+          <p:nvPr/>
+        </p:nvCxnSpPr>
+        <p:spPr>
+          <a:xfrm>
+            <a:off x="4559800" y="2662310"/>
+            <a:ext cx="1270136" cy="536194"/>
+          </a:xfrm>
+          <a:prstGeom prst="line">
+            <a:avLst/>
+          </a:prstGeom>
+        </p:spPr>
+        <p:style>
+          <a:lnRef idx="1">
+            <a:schemeClr val="dk1"/>
+          </a:lnRef>
+          <a:fillRef idx="0">
+            <a:schemeClr val="dk1"/>
+          </a:fillRef>
+          <a:effectRef idx="0">
+            <a:schemeClr val="dk1"/>
+          </a:effectRef>
+          <a:fontRef idx="minor">
+            <a:schemeClr val="tx1"/>
+          </a:fontRef>
+        </p:style>
+      </p:cxnSp>
+      <p:cxnSp>
+        <p:nvCxnSpPr>
+          <p:cNvPr id="55" name="Straight Arrow Connector 54">
+            <a:extLst>
+              <a:ext uri="{FF2B5EF4-FFF2-40B4-BE49-F238E27FC236}">
+                <a16:creationId xmlns:a16="http://schemas.microsoft.com/office/drawing/2014/main" id="{BE089673-9DEC-E944-B9DD-F0D8B2A61F5E}"/>
+              </a:ext>
+            </a:extLst>
+          </p:cNvPr>
+          <p:cNvCxnSpPr>
+            <a:cxnSpLocks/>
+            <a:stCxn id="85" idx="1"/>
+          </p:cNvCxnSpPr>
+          <p:nvPr/>
+        </p:nvCxnSpPr>
+        <p:spPr>
+          <a:xfrm flipH="1" flipV="1">
+            <a:off x="4393979" y="2641371"/>
+            <a:ext cx="279444" cy="440208"/>
+          </a:xfrm>
+          <a:prstGeom prst="straightConnector1">
+            <a:avLst/>
+          </a:prstGeom>
+          <a:ln>
+            <a:tailEnd type="triangle"/>
+          </a:ln>
+        </p:spPr>
+        <p:style>
+          <a:lnRef idx="1">
+            <a:schemeClr val="dk1"/>
+          </a:lnRef>
+          <a:fillRef idx="0">
+            <a:schemeClr val="dk1"/>
+          </a:fillRef>
+          <a:effectRef idx="0">
+            <a:schemeClr val="dk1"/>
+          </a:effectRef>
+          <a:fontRef idx="minor">
+            <a:schemeClr val="tx1"/>
+          </a:fontRef>
+        </p:style>
+      </p:cxnSp>
+      <p:cxnSp>
+        <p:nvCxnSpPr>
+          <p:cNvPr id="56" name="Straight Arrow Connector 55">
+            <a:extLst>
+              <a:ext uri="{FF2B5EF4-FFF2-40B4-BE49-F238E27FC236}">
+                <a16:creationId xmlns:a16="http://schemas.microsoft.com/office/drawing/2014/main" id="{E810D2F4-20F3-3A42-B479-292C3D38C6A9}"/>
+              </a:ext>
+            </a:extLst>
+          </p:cNvPr>
+          <p:cNvCxnSpPr>
+            <a:cxnSpLocks/>
+            <a:endCxn id="68" idx="0"/>
+          </p:cNvCxnSpPr>
+          <p:nvPr/>
+        </p:nvCxnSpPr>
+        <p:spPr>
+          <a:xfrm>
+            <a:off x="5408237" y="3981453"/>
+            <a:ext cx="683599" cy="753044"/>
+          </a:xfrm>
+          <a:prstGeom prst="straightConnector1">
+            <a:avLst/>
+          </a:prstGeom>
+          <a:ln>
+            <a:tailEnd type="triangle"/>
+          </a:ln>
         </p:spPr>
         <p:style>
           <a:lnRef idx="1">
